--- a/webservice/bizservice/images/foxbizservice.pptx
+++ b/webservice/bizservice/images/foxbizservice.pptx
@@ -21,8 +21,9 @@
     <p:sldId id="266" r:id="rId15"/>
     <p:sldId id="267" r:id="rId16"/>
     <p:sldId id="268" r:id="rId17"/>
-    <p:sldId id="269" r:id="rId18"/>
-    <p:sldId id="270" r:id="rId19"/>
+    <p:sldId id="274" r:id="rId18"/>
+    <p:sldId id="269" r:id="rId19"/>
+    <p:sldId id="270" r:id="rId20"/>
   </p:sldIdLst>
   <p:sldSz cx="12192000" cy="6858000"/>
   <p:notesSz cx="6858000" cy="9144000"/>
@@ -258,7 +259,7 @@
           <a:p>
             <a:fld id="{E6FD1626-FA1B-40BB-98B8-6D1A903F2DD7}" type="datetimeFigureOut">
               <a:rPr lang="ko-KR" altLang="en-US" smtClean="0"/>
-              <a:t>2017-04-18</a:t>
+              <a:t>2019-05-09</a:t>
             </a:fld>
             <a:endParaRPr lang="ko-KR" altLang="en-US"/>
           </a:p>
@@ -426,7 +427,7 @@
           <a:p>
             <a:fld id="{E6FD1626-FA1B-40BB-98B8-6D1A903F2DD7}" type="datetimeFigureOut">
               <a:rPr lang="ko-KR" altLang="en-US" smtClean="0"/>
-              <a:t>2017-04-18</a:t>
+              <a:t>2019-05-09</a:t>
             </a:fld>
             <a:endParaRPr lang="ko-KR" altLang="en-US"/>
           </a:p>
@@ -604,7 +605,7 @@
           <a:p>
             <a:fld id="{E6FD1626-FA1B-40BB-98B8-6D1A903F2DD7}" type="datetimeFigureOut">
               <a:rPr lang="ko-KR" altLang="en-US" smtClean="0"/>
-              <a:t>2017-04-18</a:t>
+              <a:t>2019-05-09</a:t>
             </a:fld>
             <a:endParaRPr lang="ko-KR" altLang="en-US"/>
           </a:p>
@@ -772,7 +773,7 @@
           <a:p>
             <a:fld id="{E6FD1626-FA1B-40BB-98B8-6D1A903F2DD7}" type="datetimeFigureOut">
               <a:rPr lang="ko-KR" altLang="en-US" smtClean="0"/>
-              <a:t>2017-04-18</a:t>
+              <a:t>2019-05-09</a:t>
             </a:fld>
             <a:endParaRPr lang="ko-KR" altLang="en-US"/>
           </a:p>
@@ -1017,7 +1018,7 @@
           <a:p>
             <a:fld id="{E6FD1626-FA1B-40BB-98B8-6D1A903F2DD7}" type="datetimeFigureOut">
               <a:rPr lang="ko-KR" altLang="en-US" smtClean="0"/>
-              <a:t>2017-04-18</a:t>
+              <a:t>2019-05-09</a:t>
             </a:fld>
             <a:endParaRPr lang="ko-KR" altLang="en-US"/>
           </a:p>
@@ -1246,7 +1247,7 @@
           <a:p>
             <a:fld id="{E6FD1626-FA1B-40BB-98B8-6D1A903F2DD7}" type="datetimeFigureOut">
               <a:rPr lang="ko-KR" altLang="en-US" smtClean="0"/>
-              <a:t>2017-04-18</a:t>
+              <a:t>2019-05-09</a:t>
             </a:fld>
             <a:endParaRPr lang="ko-KR" altLang="en-US"/>
           </a:p>
@@ -1610,7 +1611,7 @@
           <a:p>
             <a:fld id="{E6FD1626-FA1B-40BB-98B8-6D1A903F2DD7}" type="datetimeFigureOut">
               <a:rPr lang="ko-KR" altLang="en-US" smtClean="0"/>
-              <a:t>2017-04-18</a:t>
+              <a:t>2019-05-09</a:t>
             </a:fld>
             <a:endParaRPr lang="ko-KR" altLang="en-US"/>
           </a:p>
@@ -1727,7 +1728,7 @@
           <a:p>
             <a:fld id="{E6FD1626-FA1B-40BB-98B8-6D1A903F2DD7}" type="datetimeFigureOut">
               <a:rPr lang="ko-KR" altLang="en-US" smtClean="0"/>
-              <a:t>2017-04-18</a:t>
+              <a:t>2019-05-09</a:t>
             </a:fld>
             <a:endParaRPr lang="ko-KR" altLang="en-US"/>
           </a:p>
@@ -1822,7 +1823,7 @@
           <a:p>
             <a:fld id="{E6FD1626-FA1B-40BB-98B8-6D1A903F2DD7}" type="datetimeFigureOut">
               <a:rPr lang="ko-KR" altLang="en-US" smtClean="0"/>
-              <a:t>2017-04-18</a:t>
+              <a:t>2019-05-09</a:t>
             </a:fld>
             <a:endParaRPr lang="ko-KR" altLang="en-US"/>
           </a:p>
@@ -2097,7 +2098,7 @@
           <a:p>
             <a:fld id="{E6FD1626-FA1B-40BB-98B8-6D1A903F2DD7}" type="datetimeFigureOut">
               <a:rPr lang="ko-KR" altLang="en-US" smtClean="0"/>
-              <a:t>2017-04-18</a:t>
+              <a:t>2019-05-09</a:t>
             </a:fld>
             <a:endParaRPr lang="ko-KR" altLang="en-US"/>
           </a:p>
@@ -2349,7 +2350,7 @@
           <a:p>
             <a:fld id="{E6FD1626-FA1B-40BB-98B8-6D1A903F2DD7}" type="datetimeFigureOut">
               <a:rPr lang="ko-KR" altLang="en-US" smtClean="0"/>
-              <a:t>2017-04-18</a:t>
+              <a:t>2019-05-09</a:t>
             </a:fld>
             <a:endParaRPr lang="ko-KR" altLang="en-US"/>
           </a:p>
@@ -2560,7 +2561,7 @@
           <a:p>
             <a:fld id="{E6FD1626-FA1B-40BB-98B8-6D1A903F2DD7}" type="datetimeFigureOut">
               <a:rPr lang="ko-KR" altLang="en-US" smtClean="0"/>
-              <a:t>2017-04-18</a:t>
+              <a:t>2019-05-09</a:t>
             </a:fld>
             <a:endParaRPr lang="ko-KR" altLang="en-US"/>
           </a:p>
@@ -3948,6 +3949,66 @@
       </p:grpSpPr>
       <p:pic>
         <p:nvPicPr>
+          <p:cNvPr id="2" name="그림 1">
+            <a:extLst>
+              <a:ext uri="{FF2B5EF4-FFF2-40B4-BE49-F238E27FC236}">
+                <a16:creationId xmlns:a16="http://schemas.microsoft.com/office/drawing/2014/main" id="{77273E61-6202-4273-A29A-BFD70871C85F}"/>
+              </a:ext>
+            </a:extLst>
+          </p:cNvPr>
+          <p:cNvPicPr>
+            <a:picLocks noChangeAspect="1"/>
+          </p:cNvPicPr>
+          <p:nvPr/>
+        </p:nvPicPr>
+        <p:blipFill>
+          <a:blip r:embed="rId2"/>
+          <a:stretch>
+            <a:fillRect/>
+          </a:stretch>
+        </p:blipFill>
+        <p:spPr>
+          <a:xfrm>
+            <a:off x="2887980" y="651510"/>
+            <a:ext cx="6416040" cy="5554980"/>
+          </a:xfrm>
+          <a:prstGeom prst="rect">
+            <a:avLst/>
+          </a:prstGeom>
+        </p:spPr>
+      </p:pic>
+    </p:spTree>
+    <p:extLst>
+      <p:ext uri="{BB962C8B-B14F-4D97-AF65-F5344CB8AC3E}">
+        <p14:creationId xmlns:p14="http://schemas.microsoft.com/office/powerpoint/2010/main" val="1254055511"/>
+      </p:ext>
+    </p:extLst>
+  </p:cSld>
+  <p:clrMapOvr>
+    <a:masterClrMapping/>
+  </p:clrMapOvr>
+</p:sld>
+</file>
+
+<file path=ppt/slides/slide18.xml><?xml version="1.0" encoding="utf-8"?>
+<p:sld xmlns:a="http://schemas.openxmlformats.org/drawingml/2006/main" xmlns:r="http://schemas.openxmlformats.org/officeDocument/2006/relationships" xmlns:p="http://schemas.openxmlformats.org/presentationml/2006/main">
+  <p:cSld>
+    <p:spTree>
+      <p:nvGrpSpPr>
+        <p:cNvPr id="1" name=""/>
+        <p:cNvGrpSpPr/>
+        <p:nvPr/>
+      </p:nvGrpSpPr>
+      <p:grpSpPr>
+        <a:xfrm>
+          <a:off x="0" y="0"/>
+          <a:ext cx="0" cy="0"/>
+          <a:chOff x="0" y="0"/>
+          <a:chExt cx="0" cy="0"/>
+        </a:xfrm>
+      </p:grpSpPr>
+      <p:pic>
+        <p:nvPicPr>
           <p:cNvPr id="4" name="그림 3"/>
           <p:cNvPicPr>
             <a:picLocks noChangeAspect="1"/>
@@ -3983,7 +4044,7 @@
 </p:sld>
 </file>
 
-<file path=ppt/slides/slide18.xml><?xml version="1.0" encoding="utf-8"?>
+<file path=ppt/slides/slide19.xml><?xml version="1.0" encoding="utf-8"?>
 <p:sld xmlns:a="http://schemas.openxmlformats.org/drawingml/2006/main" xmlns:r="http://schemas.openxmlformats.org/officeDocument/2006/relationships" xmlns:p="http://schemas.openxmlformats.org/presentationml/2006/main">
   <p:cSld>
     <p:spTree>
